--- a/제안서.pptx
+++ b/제안서.pptx
@@ -34,16 +34,13 @@
   <p:notesSz cx="6858000" cy="9144000"/>
   <p:embeddedFontLst>
     <p:embeddedFont>
-      <p:font typeface="Yoon 윤고딕 530_TT" panose="02090603020101020101" pitchFamily="18" charset="-127"/>
+      <p:font typeface="Yoon 윤고딕 550_TT" panose="02090603020101020101" pitchFamily="18" charset="-127"/>
       <p:regular r:id="rId24"/>
     </p:embeddedFont>
     <p:embeddedFont>
-      <p:font typeface="Yoon 윤고딕 540_TT" panose="02090603020101020101" pitchFamily="18" charset="-127"/>
+      <p:font typeface="맑은 고딕" panose="020B0503020000020004" pitchFamily="50" charset="-127"/>
       <p:regular r:id="rId25"/>
-    </p:embeddedFont>
-    <p:embeddedFont>
-      <p:font typeface="Yoon 윤고딕 550_TT" panose="02090603020101020101" pitchFamily="18" charset="-127"/>
-      <p:regular r:id="rId26"/>
+      <p:bold r:id="rId26"/>
     </p:embeddedFont>
     <p:embeddedFont>
       <p:font typeface="Segoe UI Black" panose="020B0A02040204020203" pitchFamily="34" charset="0"/>
@@ -51,15 +48,15 @@
       <p:boldItalic r:id="rId28"/>
     </p:embeddedFont>
     <p:embeddedFont>
-      <p:font typeface="Yoon 윤고딕 520_TT" panose="02090603020101020101" pitchFamily="18" charset="-127"/>
-      <p:regular r:id="rId29"/>
+      <p:font typeface="Rockwell Extra Bold" panose="02060903040505020403" pitchFamily="18" charset="0"/>
+      <p:bold r:id="rId29"/>
     </p:embeddedFont>
     <p:embeddedFont>
-      <p:font typeface="Rockwell Extra Bold" panose="02060903040505020403" pitchFamily="18" charset="0"/>
-      <p:bold r:id="rId30"/>
+      <p:font typeface="Yoon 윤고딕 520_TT" panose="02090603020101020101" pitchFamily="18" charset="-127"/>
+      <p:regular r:id="rId30"/>
     </p:embeddedFont>
     <p:embeddedFont>
-      <p:font typeface="맑은 고딕" panose="020B0503020000020004" pitchFamily="50" charset="-127"/>
+      <p:font typeface="나눔고딕" panose="020D0604000000000000" pitchFamily="50" charset="-127"/>
       <p:regular r:id="rId31"/>
       <p:bold r:id="rId32"/>
     </p:embeddedFont>
@@ -69,9 +66,12 @@
       <p:bold r:id="rId34"/>
     </p:embeddedFont>
     <p:embeddedFont>
-      <p:font typeface="나눔고딕" panose="020D0604000000000000" pitchFamily="50" charset="-127"/>
+      <p:font typeface="Yoon 윤고딕 530_TT" panose="02090603020101020101" pitchFamily="18" charset="-127"/>
       <p:regular r:id="rId35"/>
-      <p:bold r:id="rId36"/>
+    </p:embeddedFont>
+    <p:embeddedFont>
+      <p:font typeface="Yoon 윤고딕 540_TT" panose="02090603020101020101" pitchFamily="18" charset="-127"/>
+      <p:regular r:id="rId36"/>
     </p:embeddedFont>
   </p:embeddedFontLst>
   <p:defaultTextStyle>
@@ -23760,49 +23760,87 @@
           </a:fontRef>
         </p:style>
       </p:cxnSp>
-      <p:sp>
-        <p:nvSpPr>
-          <p:cNvPr id="15" name="TextBox 14"/>
-          <p:cNvSpPr txBox="1"/>
+      <p:grpSp>
+        <p:nvGrpSpPr>
+          <p:cNvPr id="3" name="그룹 2"/>
+          <p:cNvGrpSpPr/>
           <p:nvPr/>
-        </p:nvSpPr>
-        <p:spPr>
+        </p:nvGrpSpPr>
+        <p:grpSpPr>
           <a:xfrm>
-            <a:off x="1816630" y="5174199"/>
-            <a:ext cx="8619699" cy="461665"/>
+            <a:off x="1301212" y="1313277"/>
+            <a:ext cx="9589577" cy="4585121"/>
+            <a:chOff x="1767502" y="652480"/>
+            <a:chExt cx="9589577" cy="4585121"/>
           </a:xfrm>
-          <a:prstGeom prst="rect">
-            <a:avLst/>
-          </a:prstGeom>
-          <a:grpFill/>
-        </p:spPr>
-        <p:txBody>
-          <a:bodyPr wrap="square" rtlCol="0">
-            <a:spAutoFit/>
-          </a:bodyPr>
-          <a:lstStyle/>
-          <a:p>
-            <a:pPr algn="ctr"/>
-            <a:r>
-              <a:rPr lang="en-US" altLang="ko-KR" sz="2400" dirty="0">
+        </p:grpSpPr>
+        <p:sp>
+          <p:nvSpPr>
+            <p:cNvPr id="15" name="TextBox 14"/>
+            <p:cNvSpPr txBox="1"/>
+            <p:nvPr/>
+          </p:nvSpPr>
+          <p:spPr>
+            <a:xfrm>
+              <a:off x="1767502" y="4775936"/>
+              <a:ext cx="9589577" cy="461665"/>
+            </a:xfrm>
+            <a:prstGeom prst="rect">
+              <a:avLst/>
+            </a:prstGeom>
+            <a:grpFill/>
+          </p:spPr>
+          <p:txBody>
+            <a:bodyPr wrap="square" rtlCol="0">
+              <a:spAutoFit/>
+            </a:bodyPr>
+            <a:lstStyle/>
+            <a:p>
+              <a:pPr algn="ctr"/>
+              <a:r>
+                <a:rPr lang="en-US" altLang="ko-KR" sz="2400" dirty="0">
+                  <a:solidFill>
+                    <a:srgbClr val="595959"/>
+                  </a:solidFill>
+                  <a:latin typeface="Yoon 윤고딕 520_TT" panose="02090603020101020101" pitchFamily="18" charset="-127"/>
+                  <a:ea typeface="Yoon 윤고딕 520_TT" panose="02090603020101020101" pitchFamily="18" charset="-127"/>
+                </a:rPr>
+                <a:t>https://github.com/gmlrud1211/project.git</a:t>
+              </a:r>
+              <a:endParaRPr lang="ko-KR" altLang="en-US" sz="2400" dirty="0">
                 <a:solidFill>
                   <a:srgbClr val="595959"/>
                 </a:solidFill>
                 <a:latin typeface="Yoon 윤고딕 520_TT" panose="02090603020101020101" pitchFamily="18" charset="-127"/>
                 <a:ea typeface="Yoon 윤고딕 520_TT" panose="02090603020101020101" pitchFamily="18" charset="-127"/>
-              </a:rPr>
-              <a:t>https://github.com/gmlrud1211/project.git</a:t>
-            </a:r>
-            <a:endParaRPr lang="ko-KR" altLang="en-US" sz="2400" dirty="0">
-              <a:solidFill>
-                <a:srgbClr val="595959"/>
-              </a:solidFill>
-              <a:latin typeface="Yoon 윤고딕 520_TT" panose="02090603020101020101" pitchFamily="18" charset="-127"/>
-              <a:ea typeface="Yoon 윤고딕 520_TT" panose="02090603020101020101" pitchFamily="18" charset="-127"/>
-            </a:endParaRPr>
-          </a:p>
-        </p:txBody>
-      </p:sp>
+              </a:endParaRPr>
+            </a:p>
+          </p:txBody>
+        </p:sp>
+        <p:pic>
+          <p:nvPicPr>
+            <p:cNvPr id="2" name="그림 1"/>
+            <p:cNvPicPr>
+              <a:picLocks noChangeAspect="1"/>
+            </p:cNvPicPr>
+            <p:nvPr/>
+          </p:nvPicPr>
+          <p:blipFill rotWithShape="1">
+            <a:blip r:embed="rId2"/>
+            <a:srcRect l="10012" t="7667" r="10887" b="26114"/>
+            <a:stretch/>
+          </p:blipFill>
+          <p:spPr>
+            <a:xfrm>
+              <a:off x="2251995" y="652480"/>
+              <a:ext cx="8511559" cy="4006090"/>
+            </a:xfrm>
+            <a:prstGeom prst="rect">
+              <a:avLst/>
+            </a:prstGeom>
+          </p:spPr>
+        </p:pic>
+      </p:grpSp>
     </p:spTree>
     <p:extLst>
       <p:ext uri="{BB962C8B-B14F-4D97-AF65-F5344CB8AC3E}">
